--- a/Presentation.pptx
+++ b/Presentation.pptx
@@ -8,8 +8,19 @@
     <p:sldId id="256" r:id="rId2"/>
     <p:sldId id="257" r:id="rId3"/>
     <p:sldId id="258" r:id="rId4"/>
-    <p:sldId id="259" r:id="rId5"/>
-    <p:sldId id="260" r:id="rId6"/>
+    <p:sldId id="262" r:id="rId5"/>
+    <p:sldId id="259" r:id="rId6"/>
+    <p:sldId id="260" r:id="rId7"/>
+    <p:sldId id="261" r:id="rId8"/>
+    <p:sldId id="263" r:id="rId9"/>
+    <p:sldId id="264" r:id="rId10"/>
+    <p:sldId id="265" r:id="rId11"/>
+    <p:sldId id="266" r:id="rId12"/>
+    <p:sldId id="267" r:id="rId13"/>
+    <p:sldId id="268" r:id="rId14"/>
+    <p:sldId id="269" r:id="rId15"/>
+    <p:sldId id="270" r:id="rId16"/>
+    <p:sldId id="271" r:id="rId17"/>
   </p:sldIdLst>
   <p:sldSz cx="12192000" cy="6858000"/>
   <p:notesSz cx="6858000" cy="9144000"/>
@@ -108,6 +119,11 @@
       </a:defRPr>
     </a:lvl9pPr>
   </p:defaultTextStyle>
+  <p:extLst>
+    <p:ext uri="{EFAFB233-063F-42B5-8137-9DF3F51BA10A}">
+      <p15:sldGuideLst xmlns:p15="http://schemas.microsoft.com/office/powerpoint/2012/main"/>
+    </p:ext>
+  </p:extLst>
 </p:presentation>
 </file>
 
@@ -7717,6 +7733,599 @@
 </p:sld>
 </file>
 
+<file path=ppt/slides/slide10.xml><?xml version="1.0" encoding="utf-8"?>
+<p:sld xmlns:a="http://schemas.openxmlformats.org/drawingml/2006/main" xmlns:r="http://schemas.openxmlformats.org/officeDocument/2006/relationships" xmlns:p="http://schemas.openxmlformats.org/presentationml/2006/main">
+  <p:cSld>
+    <p:spTree>
+      <p:nvGrpSpPr>
+        <p:cNvPr id="1" name=""/>
+        <p:cNvGrpSpPr/>
+        <p:nvPr/>
+      </p:nvGrpSpPr>
+      <p:grpSpPr>
+        <a:xfrm>
+          <a:off x="0" y="0"/>
+          <a:ext cx="0" cy="0"/>
+          <a:chOff x="0" y="0"/>
+          <a:chExt cx="0" cy="0"/>
+        </a:xfrm>
+      </p:grpSpPr>
+      <p:sp>
+        <p:nvSpPr>
+          <p:cNvPr id="2" name="Title 1"/>
+          <p:cNvSpPr>
+            <a:spLocks noGrp="1"/>
+          </p:cNvSpPr>
+          <p:nvPr>
+            <p:ph type="title"/>
+          </p:nvPr>
+        </p:nvSpPr>
+        <p:spPr/>
+        <p:txBody>
+          <a:bodyPr/>
+          <a:lstStyle/>
+          <a:p>
+            <a:r>
+              <a:rPr lang="en-US" dirty="0"/>
+              <a:t>Global Fit Tests - continued</a:t>
+            </a:r>
+          </a:p>
+        </p:txBody>
+      </p:sp>
+      <p:pic>
+        <p:nvPicPr>
+          <p:cNvPr id="4" name="Picture 3"/>
+          <p:cNvPicPr>
+            <a:picLocks noChangeAspect="1"/>
+          </p:cNvPicPr>
+          <p:nvPr/>
+        </p:nvPicPr>
+        <p:blipFill>
+          <a:blip r:embed="rId2"/>
+          <a:stretch>
+            <a:fillRect/>
+          </a:stretch>
+        </p:blipFill>
+        <p:spPr>
+          <a:xfrm>
+            <a:off x="0" y="2990624"/>
+            <a:ext cx="6048375" cy="2466975"/>
+          </a:xfrm>
+          <a:prstGeom prst="rect">
+            <a:avLst/>
+          </a:prstGeom>
+        </p:spPr>
+      </p:pic>
+      <p:pic>
+        <p:nvPicPr>
+          <p:cNvPr id="6" name="Picture 5"/>
+          <p:cNvPicPr>
+            <a:picLocks noChangeAspect="1"/>
+          </p:cNvPicPr>
+          <p:nvPr/>
+        </p:nvPicPr>
+        <p:blipFill>
+          <a:blip r:embed="rId3"/>
+          <a:stretch>
+            <a:fillRect/>
+          </a:stretch>
+        </p:blipFill>
+        <p:spPr>
+          <a:xfrm>
+            <a:off x="6162675" y="2990624"/>
+            <a:ext cx="6029325" cy="2466975"/>
+          </a:xfrm>
+          <a:prstGeom prst="rect">
+            <a:avLst/>
+          </a:prstGeom>
+        </p:spPr>
+      </p:pic>
+    </p:spTree>
+    <p:extLst>
+      <p:ext uri="{BB962C8B-B14F-4D97-AF65-F5344CB8AC3E}">
+        <p14:creationId xmlns:p14="http://schemas.microsoft.com/office/powerpoint/2010/main" val="2147977044"/>
+      </p:ext>
+    </p:extLst>
+  </p:cSld>
+  <p:clrMapOvr>
+    <a:masterClrMapping/>
+  </p:clrMapOvr>
+</p:sld>
+</file>
+
+<file path=ppt/slides/slide11.xml><?xml version="1.0" encoding="utf-8"?>
+<p:sld xmlns:a="http://schemas.openxmlformats.org/drawingml/2006/main" xmlns:r="http://schemas.openxmlformats.org/officeDocument/2006/relationships" xmlns:p="http://schemas.openxmlformats.org/presentationml/2006/main">
+  <p:cSld>
+    <p:spTree>
+      <p:nvGrpSpPr>
+        <p:cNvPr id="1" name=""/>
+        <p:cNvGrpSpPr/>
+        <p:nvPr/>
+      </p:nvGrpSpPr>
+      <p:grpSpPr>
+        <a:xfrm>
+          <a:off x="0" y="0"/>
+          <a:ext cx="0" cy="0"/>
+          <a:chOff x="0" y="0"/>
+          <a:chExt cx="0" cy="0"/>
+        </a:xfrm>
+      </p:grpSpPr>
+      <p:sp>
+        <p:nvSpPr>
+          <p:cNvPr id="2" name="Title 1"/>
+          <p:cNvSpPr>
+            <a:spLocks noGrp="1"/>
+          </p:cNvSpPr>
+          <p:nvPr>
+            <p:ph type="title"/>
+          </p:nvPr>
+        </p:nvSpPr>
+        <p:spPr/>
+        <p:txBody>
+          <a:bodyPr/>
+          <a:lstStyle/>
+          <a:p>
+            <a:r>
+              <a:rPr lang="en-US" dirty="0"/>
+              <a:t>Comparative Fit Test: Deviance</a:t>
+            </a:r>
+          </a:p>
+        </p:txBody>
+      </p:sp>
+      <p:sp>
+        <p:nvSpPr>
+          <p:cNvPr id="3" name="Content Placeholder 2"/>
+          <p:cNvSpPr>
+            <a:spLocks noGrp="1"/>
+          </p:cNvSpPr>
+          <p:nvPr>
+            <p:ph idx="1"/>
+          </p:nvPr>
+        </p:nvSpPr>
+        <p:spPr>
+          <a:xfrm>
+            <a:off x="467670" y="2642165"/>
+            <a:ext cx="3593967" cy="3599316"/>
+          </a:xfrm>
+        </p:spPr>
+        <p:txBody>
+          <a:bodyPr/>
+          <a:lstStyle/>
+          <a:p>
+            <a:r>
+              <a:rPr lang="en-US" sz="2000" dirty="0"/>
+              <a:t>Null Hypothesis:</a:t>
+            </a:r>
+          </a:p>
+          <a:p>
+            <a:pPr lvl="1"/>
+            <a:r>
+              <a:rPr lang="en-US" sz="1800" dirty="0"/>
+              <a:t>Null model fits the data just as well as fitted model</a:t>
+            </a:r>
+          </a:p>
+          <a:p>
+            <a:pPr marL="457200" lvl="1" indent="0">
+              <a:buNone/>
+            </a:pPr>
+            <a:endParaRPr lang="en-US" sz="1800" dirty="0"/>
+          </a:p>
+          <a:p>
+            <a:r>
+              <a:rPr lang="en-US" sz="2000" dirty="0"/>
+              <a:t>Alternative Hypothesis:</a:t>
+            </a:r>
+          </a:p>
+          <a:p>
+            <a:pPr lvl="1"/>
+            <a:r>
+              <a:rPr lang="en-US" sz="1800" dirty="0"/>
+              <a:t>Alternative model fits data better than null model</a:t>
+            </a:r>
+          </a:p>
+        </p:txBody>
+      </p:sp>
+      <p:pic>
+        <p:nvPicPr>
+          <p:cNvPr id="4" name="Picture 3"/>
+          <p:cNvPicPr>
+            <a:picLocks noChangeAspect="1"/>
+          </p:cNvPicPr>
+          <p:nvPr/>
+        </p:nvPicPr>
+        <p:blipFill>
+          <a:blip r:embed="rId2"/>
+          <a:stretch>
+            <a:fillRect/>
+          </a:stretch>
+        </p:blipFill>
+        <p:spPr>
+          <a:xfrm>
+            <a:off x="4995196" y="3450164"/>
+            <a:ext cx="6029325" cy="2486025"/>
+          </a:xfrm>
+          <a:prstGeom prst="rect">
+            <a:avLst/>
+          </a:prstGeom>
+        </p:spPr>
+      </p:pic>
+      <p:pic>
+        <p:nvPicPr>
+          <p:cNvPr id="5" name="Picture 4"/>
+          <p:cNvPicPr>
+            <a:picLocks noChangeAspect="1"/>
+          </p:cNvPicPr>
+          <p:nvPr/>
+        </p:nvPicPr>
+        <p:blipFill>
+          <a:blip r:embed="rId3"/>
+          <a:stretch>
+            <a:fillRect/>
+          </a:stretch>
+        </p:blipFill>
+        <p:spPr>
+          <a:xfrm>
+            <a:off x="6528720" y="2489765"/>
+            <a:ext cx="2962275" cy="304800"/>
+          </a:xfrm>
+          <a:prstGeom prst="rect">
+            <a:avLst/>
+          </a:prstGeom>
+        </p:spPr>
+      </p:pic>
+    </p:spTree>
+    <p:extLst>
+      <p:ext uri="{BB962C8B-B14F-4D97-AF65-F5344CB8AC3E}">
+        <p14:creationId xmlns:p14="http://schemas.microsoft.com/office/powerpoint/2010/main" val="3260745729"/>
+      </p:ext>
+    </p:extLst>
+  </p:cSld>
+  <p:clrMapOvr>
+    <a:masterClrMapping/>
+  </p:clrMapOvr>
+</p:sld>
+</file>
+
+<file path=ppt/slides/slide12.xml><?xml version="1.0" encoding="utf-8"?>
+<p:sld xmlns:a="http://schemas.openxmlformats.org/drawingml/2006/main" xmlns:r="http://schemas.openxmlformats.org/officeDocument/2006/relationships" xmlns:p="http://schemas.openxmlformats.org/presentationml/2006/main">
+  <p:cSld>
+    <p:spTree>
+      <p:nvGrpSpPr>
+        <p:cNvPr id="1" name=""/>
+        <p:cNvGrpSpPr/>
+        <p:nvPr/>
+      </p:nvGrpSpPr>
+      <p:grpSpPr>
+        <a:xfrm>
+          <a:off x="0" y="0"/>
+          <a:ext cx="0" cy="0"/>
+          <a:chOff x="0" y="0"/>
+          <a:chExt cx="0" cy="0"/>
+        </a:xfrm>
+      </p:grpSpPr>
+      <p:sp>
+        <p:nvSpPr>
+          <p:cNvPr id="2" name="Title 1"/>
+          <p:cNvSpPr>
+            <a:spLocks noGrp="1"/>
+          </p:cNvSpPr>
+          <p:nvPr>
+            <p:ph type="title"/>
+          </p:nvPr>
+        </p:nvSpPr>
+        <p:spPr/>
+        <p:txBody>
+          <a:bodyPr/>
+          <a:lstStyle/>
+          <a:p>
+            <a:r>
+              <a:rPr lang="en-US" dirty="0"/>
+              <a:t>Predictive Power</a:t>
+            </a:r>
+          </a:p>
+        </p:txBody>
+      </p:sp>
+      <p:pic>
+        <p:nvPicPr>
+          <p:cNvPr id="6" name="Picture 5"/>
+          <p:cNvPicPr>
+            <a:picLocks noChangeAspect="1"/>
+          </p:cNvPicPr>
+          <p:nvPr/>
+        </p:nvPicPr>
+        <p:blipFill>
+          <a:blip r:embed="rId2"/>
+          <a:stretch>
+            <a:fillRect/>
+          </a:stretch>
+        </p:blipFill>
+        <p:spPr>
+          <a:xfrm>
+            <a:off x="4006113" y="2218186"/>
+            <a:ext cx="2962275" cy="1504950"/>
+          </a:xfrm>
+          <a:prstGeom prst="rect">
+            <a:avLst/>
+          </a:prstGeom>
+        </p:spPr>
+      </p:pic>
+      <p:pic>
+        <p:nvPicPr>
+          <p:cNvPr id="8" name="Picture 7"/>
+          <p:cNvPicPr>
+            <a:picLocks noChangeAspect="1"/>
+          </p:cNvPicPr>
+          <p:nvPr/>
+        </p:nvPicPr>
+        <p:blipFill>
+          <a:blip r:embed="rId3"/>
+          <a:stretch>
+            <a:fillRect/>
+          </a:stretch>
+        </p:blipFill>
+        <p:spPr>
+          <a:xfrm>
+            <a:off x="1381975" y="4107156"/>
+            <a:ext cx="8210550" cy="2428875"/>
+          </a:xfrm>
+          <a:prstGeom prst="rect">
+            <a:avLst/>
+          </a:prstGeom>
+        </p:spPr>
+      </p:pic>
+    </p:spTree>
+    <p:extLst>
+      <p:ext uri="{BB962C8B-B14F-4D97-AF65-F5344CB8AC3E}">
+        <p14:creationId xmlns:p14="http://schemas.microsoft.com/office/powerpoint/2010/main" val="867169935"/>
+      </p:ext>
+    </p:extLst>
+  </p:cSld>
+  <p:clrMapOvr>
+    <a:masterClrMapping/>
+  </p:clrMapOvr>
+</p:sld>
+</file>
+
+<file path=ppt/slides/slide13.xml><?xml version="1.0" encoding="utf-8"?>
+<p:sld xmlns:a="http://schemas.openxmlformats.org/drawingml/2006/main" xmlns:r="http://schemas.openxmlformats.org/officeDocument/2006/relationships" xmlns:p="http://schemas.openxmlformats.org/presentationml/2006/main">
+  <p:cSld>
+    <p:spTree>
+      <p:nvGrpSpPr>
+        <p:cNvPr id="1" name=""/>
+        <p:cNvGrpSpPr/>
+        <p:nvPr/>
+      </p:nvGrpSpPr>
+      <p:grpSpPr>
+        <a:xfrm>
+          <a:off x="0" y="0"/>
+          <a:ext cx="0" cy="0"/>
+          <a:chOff x="0" y="0"/>
+          <a:chExt cx="0" cy="0"/>
+        </a:xfrm>
+      </p:grpSpPr>
+      <p:pic>
+        <p:nvPicPr>
+          <p:cNvPr id="3" name="Picture 2"/>
+          <p:cNvPicPr>
+            <a:picLocks noChangeAspect="1"/>
+          </p:cNvPicPr>
+          <p:nvPr/>
+        </p:nvPicPr>
+        <p:blipFill>
+          <a:blip r:embed="rId2"/>
+          <a:stretch>
+            <a:fillRect/>
+          </a:stretch>
+        </p:blipFill>
+        <p:spPr>
+          <a:xfrm>
+            <a:off x="2183219" y="1061041"/>
+            <a:ext cx="7724725" cy="4988885"/>
+          </a:xfrm>
+          <a:prstGeom prst="rect">
+            <a:avLst/>
+          </a:prstGeom>
+        </p:spPr>
+      </p:pic>
+    </p:spTree>
+    <p:extLst>
+      <p:ext uri="{BB962C8B-B14F-4D97-AF65-F5344CB8AC3E}">
+        <p14:creationId xmlns:p14="http://schemas.microsoft.com/office/powerpoint/2010/main" val="1901832957"/>
+      </p:ext>
+    </p:extLst>
+  </p:cSld>
+  <p:clrMapOvr>
+    <a:masterClrMapping/>
+  </p:clrMapOvr>
+</p:sld>
+</file>
+
+<file path=ppt/slides/slide14.xml><?xml version="1.0" encoding="utf-8"?>
+<p:sld xmlns:a="http://schemas.openxmlformats.org/drawingml/2006/main" xmlns:r="http://schemas.openxmlformats.org/officeDocument/2006/relationships" xmlns:p="http://schemas.openxmlformats.org/presentationml/2006/main">
+  <p:cSld>
+    <p:spTree>
+      <p:nvGrpSpPr>
+        <p:cNvPr id="1" name=""/>
+        <p:cNvGrpSpPr/>
+        <p:nvPr/>
+      </p:nvGrpSpPr>
+      <p:grpSpPr>
+        <a:xfrm>
+          <a:off x="0" y="0"/>
+          <a:ext cx="0" cy="0"/>
+          <a:chOff x="0" y="0"/>
+          <a:chExt cx="0" cy="0"/>
+        </a:xfrm>
+      </p:grpSpPr>
+      <p:pic>
+        <p:nvPicPr>
+          <p:cNvPr id="3" name="Picture 2"/>
+          <p:cNvPicPr>
+            <a:picLocks noChangeAspect="1"/>
+          </p:cNvPicPr>
+          <p:nvPr/>
+        </p:nvPicPr>
+        <p:blipFill>
+          <a:blip r:embed="rId2"/>
+          <a:stretch>
+            <a:fillRect/>
+          </a:stretch>
+        </p:blipFill>
+        <p:spPr>
+          <a:xfrm>
+            <a:off x="1438939" y="1640958"/>
+            <a:ext cx="9144000" cy="3810000"/>
+          </a:xfrm>
+          <a:prstGeom prst="rect">
+            <a:avLst/>
+          </a:prstGeom>
+        </p:spPr>
+      </p:pic>
+    </p:spTree>
+    <p:extLst>
+      <p:ext uri="{BB962C8B-B14F-4D97-AF65-F5344CB8AC3E}">
+        <p14:creationId xmlns:p14="http://schemas.microsoft.com/office/powerpoint/2010/main" val="510714101"/>
+      </p:ext>
+    </p:extLst>
+  </p:cSld>
+  <p:clrMapOvr>
+    <a:masterClrMapping/>
+  </p:clrMapOvr>
+</p:sld>
+</file>
+
+<file path=ppt/slides/slide15.xml><?xml version="1.0" encoding="utf-8"?>
+<p:sld xmlns:a="http://schemas.openxmlformats.org/drawingml/2006/main" xmlns:r="http://schemas.openxmlformats.org/officeDocument/2006/relationships" xmlns:p="http://schemas.openxmlformats.org/presentationml/2006/main">
+  <p:cSld>
+    <p:spTree>
+      <p:nvGrpSpPr>
+        <p:cNvPr id="1" name=""/>
+        <p:cNvGrpSpPr/>
+        <p:nvPr/>
+      </p:nvGrpSpPr>
+      <p:grpSpPr>
+        <a:xfrm>
+          <a:off x="0" y="0"/>
+          <a:ext cx="0" cy="0"/>
+          <a:chOff x="0" y="0"/>
+          <a:chExt cx="0" cy="0"/>
+        </a:xfrm>
+      </p:grpSpPr>
+      <p:pic>
+        <p:nvPicPr>
+          <p:cNvPr id="2" name="Picture 1"/>
+          <p:cNvPicPr>
+            <a:picLocks noChangeAspect="1"/>
+          </p:cNvPicPr>
+          <p:nvPr/>
+        </p:nvPicPr>
+        <p:blipFill>
+          <a:blip r:embed="rId2"/>
+          <a:stretch>
+            <a:fillRect/>
+          </a:stretch>
+        </p:blipFill>
+        <p:spPr>
+          <a:xfrm>
+            <a:off x="2072129" y="4625828"/>
+            <a:ext cx="8239125" cy="2114550"/>
+          </a:xfrm>
+          <a:prstGeom prst="rect">
+            <a:avLst/>
+          </a:prstGeom>
+        </p:spPr>
+      </p:pic>
+      <p:pic>
+        <p:nvPicPr>
+          <p:cNvPr id="4" name="Picture 3"/>
+          <p:cNvPicPr>
+            <a:picLocks noChangeAspect="1"/>
+          </p:cNvPicPr>
+          <p:nvPr/>
+        </p:nvPicPr>
+        <p:blipFill>
+          <a:blip r:embed="rId3"/>
+          <a:stretch>
+            <a:fillRect/>
+          </a:stretch>
+        </p:blipFill>
+        <p:spPr>
+          <a:xfrm>
+            <a:off x="2783346" y="95692"/>
+            <a:ext cx="6816689" cy="4402445"/>
+          </a:xfrm>
+          <a:prstGeom prst="rect">
+            <a:avLst/>
+          </a:prstGeom>
+        </p:spPr>
+      </p:pic>
+    </p:spTree>
+    <p:extLst>
+      <p:ext uri="{BB962C8B-B14F-4D97-AF65-F5344CB8AC3E}">
+        <p14:creationId xmlns:p14="http://schemas.microsoft.com/office/powerpoint/2010/main" val="3391098404"/>
+      </p:ext>
+    </p:extLst>
+  </p:cSld>
+  <p:clrMapOvr>
+    <a:masterClrMapping/>
+  </p:clrMapOvr>
+</p:sld>
+</file>
+
+<file path=ppt/slides/slide16.xml><?xml version="1.0" encoding="utf-8"?>
+<p:sld xmlns:a="http://schemas.openxmlformats.org/drawingml/2006/main" xmlns:r="http://schemas.openxmlformats.org/officeDocument/2006/relationships" xmlns:p="http://schemas.openxmlformats.org/presentationml/2006/main">
+  <p:cSld>
+    <p:spTree>
+      <p:nvGrpSpPr>
+        <p:cNvPr id="1" name=""/>
+        <p:cNvGrpSpPr/>
+        <p:nvPr/>
+      </p:nvGrpSpPr>
+      <p:grpSpPr>
+        <a:xfrm>
+          <a:off x="0" y="0"/>
+          <a:ext cx="0" cy="0"/>
+          <a:chOff x="0" y="0"/>
+          <a:chExt cx="0" cy="0"/>
+        </a:xfrm>
+      </p:grpSpPr>
+      <p:pic>
+        <p:nvPicPr>
+          <p:cNvPr id="3" name="Picture 2"/>
+          <p:cNvPicPr>
+            <a:picLocks noChangeAspect="1"/>
+          </p:cNvPicPr>
+          <p:nvPr/>
+        </p:nvPicPr>
+        <p:blipFill>
+          <a:blip r:embed="rId2"/>
+          <a:stretch>
+            <a:fillRect/>
+          </a:stretch>
+        </p:blipFill>
+        <p:spPr>
+          <a:xfrm>
+            <a:off x="1364511" y="561310"/>
+            <a:ext cx="9144000" cy="5905500"/>
+          </a:xfrm>
+          <a:prstGeom prst="rect">
+            <a:avLst/>
+          </a:prstGeom>
+        </p:spPr>
+      </p:pic>
+    </p:spTree>
+    <p:extLst>
+      <p:ext uri="{BB962C8B-B14F-4D97-AF65-F5344CB8AC3E}">
+        <p14:creationId xmlns:p14="http://schemas.microsoft.com/office/powerpoint/2010/main" val="2547051427"/>
+      </p:ext>
+    </p:extLst>
+  </p:cSld>
+  <p:clrMapOvr>
+    <a:masterClrMapping/>
+  </p:clrMapOvr>
+</p:sld>
+</file>
+
 <file path=ppt/slides/slide2.xml><?xml version="1.0" encoding="utf-8"?>
 <p:sld xmlns:a="http://schemas.openxmlformats.org/drawingml/2006/main" xmlns:r="http://schemas.openxmlformats.org/officeDocument/2006/relationships" xmlns:p="http://schemas.openxmlformats.org/presentationml/2006/main">
   <p:cSld>
@@ -7942,6 +8551,60 @@
 </file>
 
 <file path=ppt/slides/slide4.xml><?xml version="1.0" encoding="utf-8"?>
+<p:sld xmlns:a="http://schemas.openxmlformats.org/drawingml/2006/main" xmlns:r="http://schemas.openxmlformats.org/officeDocument/2006/relationships" xmlns:p="http://schemas.openxmlformats.org/presentationml/2006/main">
+  <p:cSld>
+    <p:spTree>
+      <p:nvGrpSpPr>
+        <p:cNvPr id="1" name=""/>
+        <p:cNvGrpSpPr/>
+        <p:nvPr/>
+      </p:nvGrpSpPr>
+      <p:grpSpPr>
+        <a:xfrm>
+          <a:off x="0" y="0"/>
+          <a:ext cx="0" cy="0"/>
+          <a:chOff x="0" y="0"/>
+          <a:chExt cx="0" cy="0"/>
+        </a:xfrm>
+      </p:grpSpPr>
+      <p:pic>
+        <p:nvPicPr>
+          <p:cNvPr id="7" name="Picture 6"/>
+          <p:cNvPicPr>
+            <a:picLocks noChangeAspect="1"/>
+          </p:cNvPicPr>
+          <p:nvPr/>
+        </p:nvPicPr>
+        <p:blipFill>
+          <a:blip r:embed="rId2"/>
+          <a:stretch>
+            <a:fillRect/>
+          </a:stretch>
+        </p:blipFill>
+        <p:spPr>
+          <a:xfrm>
+            <a:off x="1524000" y="114300"/>
+            <a:ext cx="9144000" cy="6629400"/>
+          </a:xfrm>
+          <a:prstGeom prst="rect">
+            <a:avLst/>
+          </a:prstGeom>
+        </p:spPr>
+      </p:pic>
+    </p:spTree>
+    <p:extLst>
+      <p:ext uri="{BB962C8B-B14F-4D97-AF65-F5344CB8AC3E}">
+        <p14:creationId xmlns:p14="http://schemas.microsoft.com/office/powerpoint/2010/main" val="1931424684"/>
+      </p:ext>
+    </p:extLst>
+  </p:cSld>
+  <p:clrMapOvr>
+    <a:masterClrMapping/>
+  </p:clrMapOvr>
+</p:sld>
+</file>
+
+<file path=ppt/slides/slide5.xml><?xml version="1.0" encoding="utf-8"?>
 <p:sld xmlns:a="http://schemas.openxmlformats.org/drawingml/2006/main" xmlns:r="http://schemas.openxmlformats.org/officeDocument/2006/relationships" xmlns:p="http://schemas.openxmlformats.org/presentationml/2006/main">
   <p:cSld>
     <p:spTree>
@@ -8230,7 +8893,7 @@
 </p:sld>
 </file>
 
-<file path=ppt/slides/slide5.xml><?xml version="1.0" encoding="utf-8"?>
+<file path=ppt/slides/slide6.xml><?xml version="1.0" encoding="utf-8"?>
 <p:sld xmlns:a="http://schemas.openxmlformats.org/drawingml/2006/main" xmlns:r="http://schemas.openxmlformats.org/officeDocument/2006/relationships" xmlns:p="http://schemas.openxmlformats.org/presentationml/2006/main">
   <p:cSld>
     <p:spTree>
@@ -8321,6 +8984,323 @@
     <p:extLst>
       <p:ext uri="{BB962C8B-B14F-4D97-AF65-F5344CB8AC3E}">
         <p14:creationId xmlns:p14="http://schemas.microsoft.com/office/powerpoint/2010/main" val="2764983182"/>
+      </p:ext>
+    </p:extLst>
+  </p:cSld>
+  <p:clrMapOvr>
+    <a:masterClrMapping/>
+  </p:clrMapOvr>
+</p:sld>
+</file>
+
+<file path=ppt/slides/slide7.xml><?xml version="1.0" encoding="utf-8"?>
+<p:sld xmlns:a="http://schemas.openxmlformats.org/drawingml/2006/main" xmlns:r="http://schemas.openxmlformats.org/officeDocument/2006/relationships" xmlns:p="http://schemas.openxmlformats.org/presentationml/2006/main">
+  <p:cSld>
+    <p:spTree>
+      <p:nvGrpSpPr>
+        <p:cNvPr id="1" name=""/>
+        <p:cNvGrpSpPr/>
+        <p:nvPr/>
+      </p:nvGrpSpPr>
+      <p:grpSpPr>
+        <a:xfrm>
+          <a:off x="0" y="0"/>
+          <a:ext cx="0" cy="0"/>
+          <a:chOff x="0" y="0"/>
+          <a:chExt cx="0" cy="0"/>
+        </a:xfrm>
+      </p:grpSpPr>
+      <p:sp>
+        <p:nvSpPr>
+          <p:cNvPr id="2" name="Title 1"/>
+          <p:cNvSpPr>
+            <a:spLocks noGrp="1"/>
+          </p:cNvSpPr>
+          <p:nvPr>
+            <p:ph type="title"/>
+          </p:nvPr>
+        </p:nvSpPr>
+        <p:spPr/>
+        <p:txBody>
+          <a:bodyPr/>
+          <a:lstStyle/>
+          <a:p>
+            <a:r>
+              <a:rPr lang="en-US" dirty="0"/>
+              <a:t>Fitted Models</a:t>
+            </a:r>
+          </a:p>
+        </p:txBody>
+      </p:sp>
+      <p:pic>
+        <p:nvPicPr>
+          <p:cNvPr id="5" name="Content Placeholder 4"/>
+          <p:cNvPicPr>
+            <a:picLocks noGrp="1" noChangeAspect="1"/>
+          </p:cNvPicPr>
+          <p:nvPr>
+            <p:ph idx="1"/>
+          </p:nvPr>
+        </p:nvPicPr>
+        <p:blipFill>
+          <a:blip r:embed="rId2"/>
+          <a:stretch>
+            <a:fillRect/>
+          </a:stretch>
+        </p:blipFill>
+        <p:spPr>
+          <a:xfrm>
+            <a:off x="1979057" y="2124565"/>
+            <a:ext cx="7016387" cy="4531417"/>
+          </a:xfrm>
+        </p:spPr>
+      </p:pic>
+    </p:spTree>
+    <p:extLst>
+      <p:ext uri="{BB962C8B-B14F-4D97-AF65-F5344CB8AC3E}">
+        <p14:creationId xmlns:p14="http://schemas.microsoft.com/office/powerpoint/2010/main" val="111557156"/>
+      </p:ext>
+    </p:extLst>
+  </p:cSld>
+  <p:clrMapOvr>
+    <a:masterClrMapping/>
+  </p:clrMapOvr>
+</p:sld>
+</file>
+
+<file path=ppt/slides/slide8.xml><?xml version="1.0" encoding="utf-8"?>
+<p:sld xmlns:a="http://schemas.openxmlformats.org/drawingml/2006/main" xmlns:r="http://schemas.openxmlformats.org/officeDocument/2006/relationships" xmlns:p="http://schemas.openxmlformats.org/presentationml/2006/main">
+  <p:cSld>
+    <p:spTree>
+      <p:nvGrpSpPr>
+        <p:cNvPr id="1" name=""/>
+        <p:cNvGrpSpPr/>
+        <p:nvPr/>
+      </p:nvGrpSpPr>
+      <p:grpSpPr>
+        <a:xfrm>
+          <a:off x="0" y="0"/>
+          <a:ext cx="0" cy="0"/>
+          <a:chOff x="0" y="0"/>
+          <a:chExt cx="0" cy="0"/>
+        </a:xfrm>
+      </p:grpSpPr>
+      <p:sp>
+        <p:nvSpPr>
+          <p:cNvPr id="2" name="Title 1"/>
+          <p:cNvSpPr>
+            <a:spLocks noGrp="1"/>
+          </p:cNvSpPr>
+          <p:nvPr>
+            <p:ph type="title"/>
+          </p:nvPr>
+        </p:nvSpPr>
+        <p:spPr/>
+        <p:txBody>
+          <a:bodyPr/>
+          <a:lstStyle/>
+          <a:p>
+            <a:r>
+              <a:rPr lang="en-US" dirty="0"/>
+              <a:t>Residual Plots</a:t>
+            </a:r>
+          </a:p>
+        </p:txBody>
+      </p:sp>
+      <p:pic>
+        <p:nvPicPr>
+          <p:cNvPr id="9" name="Content Placeholder 8"/>
+          <p:cNvPicPr>
+            <a:picLocks noGrp="1" noChangeAspect="1"/>
+          </p:cNvPicPr>
+          <p:nvPr>
+            <p:ph idx="1"/>
+          </p:nvPr>
+        </p:nvPicPr>
+        <p:blipFill>
+          <a:blip r:embed="rId2"/>
+          <a:stretch>
+            <a:fillRect/>
+          </a:stretch>
+        </p:blipFill>
+        <p:spPr>
+          <a:xfrm>
+            <a:off x="2031669" y="2100812"/>
+            <a:ext cx="6911163" cy="4607442"/>
+          </a:xfrm>
+        </p:spPr>
+      </p:pic>
+    </p:spTree>
+    <p:extLst>
+      <p:ext uri="{BB962C8B-B14F-4D97-AF65-F5344CB8AC3E}">
+        <p14:creationId xmlns:p14="http://schemas.microsoft.com/office/powerpoint/2010/main" val="2928124172"/>
+      </p:ext>
+    </p:extLst>
+  </p:cSld>
+  <p:clrMapOvr>
+    <a:masterClrMapping/>
+  </p:clrMapOvr>
+</p:sld>
+</file>
+
+<file path=ppt/slides/slide9.xml><?xml version="1.0" encoding="utf-8"?>
+<p:sld xmlns:a="http://schemas.openxmlformats.org/drawingml/2006/main" xmlns:r="http://schemas.openxmlformats.org/officeDocument/2006/relationships" xmlns:p="http://schemas.openxmlformats.org/presentationml/2006/main">
+  <p:cSld>
+    <p:spTree>
+      <p:nvGrpSpPr>
+        <p:cNvPr id="1" name=""/>
+        <p:cNvGrpSpPr/>
+        <p:nvPr/>
+      </p:nvGrpSpPr>
+      <p:grpSpPr>
+        <a:xfrm>
+          <a:off x="0" y="0"/>
+          <a:ext cx="0" cy="0"/>
+          <a:chOff x="0" y="0"/>
+          <a:chExt cx="0" cy="0"/>
+        </a:xfrm>
+      </p:grpSpPr>
+      <p:sp>
+        <p:nvSpPr>
+          <p:cNvPr id="2" name="Title 1"/>
+          <p:cNvSpPr>
+            <a:spLocks noGrp="1"/>
+          </p:cNvSpPr>
+          <p:nvPr>
+            <p:ph type="title"/>
+          </p:nvPr>
+        </p:nvSpPr>
+        <p:spPr/>
+        <p:txBody>
+          <a:bodyPr/>
+          <a:lstStyle/>
+          <a:p>
+            <a:r>
+              <a:rPr lang="en-US" dirty="0"/>
+              <a:t>Global Lack-of-Fit Tests</a:t>
+            </a:r>
+          </a:p>
+        </p:txBody>
+      </p:sp>
+      <p:pic>
+        <p:nvPicPr>
+          <p:cNvPr id="4" name="Picture 3"/>
+          <p:cNvPicPr>
+            <a:picLocks noChangeAspect="1"/>
+          </p:cNvPicPr>
+          <p:nvPr/>
+        </p:nvPicPr>
+        <p:blipFill>
+          <a:blip r:embed="rId2"/>
+          <a:stretch>
+            <a:fillRect/>
+          </a:stretch>
+        </p:blipFill>
+        <p:spPr>
+          <a:xfrm>
+            <a:off x="3750191" y="2002749"/>
+            <a:ext cx="8403265" cy="2341438"/>
+          </a:xfrm>
+          <a:prstGeom prst="rect">
+            <a:avLst/>
+          </a:prstGeom>
+        </p:spPr>
+      </p:pic>
+      <p:pic>
+        <p:nvPicPr>
+          <p:cNvPr id="5" name="Picture 4"/>
+          <p:cNvPicPr>
+            <a:picLocks noChangeAspect="1"/>
+          </p:cNvPicPr>
+          <p:nvPr/>
+        </p:nvPicPr>
+        <p:blipFill>
+          <a:blip r:embed="rId3"/>
+          <a:stretch>
+            <a:fillRect/>
+          </a:stretch>
+        </p:blipFill>
+        <p:spPr>
+          <a:xfrm>
+            <a:off x="3673105" y="4438342"/>
+            <a:ext cx="8480351" cy="2345230"/>
+          </a:xfrm>
+          <a:prstGeom prst="rect">
+            <a:avLst/>
+          </a:prstGeom>
+        </p:spPr>
+      </p:pic>
+      <p:sp>
+        <p:nvSpPr>
+          <p:cNvPr id="6" name="TextBox 5"/>
+          <p:cNvSpPr txBox="1"/>
+          <p:nvPr/>
+        </p:nvSpPr>
+        <p:spPr>
+          <a:xfrm>
+            <a:off x="95693" y="2434855"/>
+            <a:ext cx="3577412" cy="1754326"/>
+          </a:xfrm>
+          <a:prstGeom prst="rect">
+            <a:avLst/>
+          </a:prstGeom>
+          <a:noFill/>
+        </p:spPr>
+        <p:txBody>
+          <a:bodyPr wrap="square" rtlCol="0">
+            <a:spAutoFit/>
+          </a:bodyPr>
+          <a:lstStyle/>
+          <a:p>
+            <a:pPr marL="285750" indent="-285750">
+              <a:buFont typeface="Arial" panose="020B0604020202020204" pitchFamily="34" charset="0"/>
+              <a:buChar char="•"/>
+            </a:pPr>
+            <a:r>
+              <a:rPr lang="en-US" dirty="0"/>
+              <a:t>Null Hypothesis:</a:t>
+            </a:r>
+          </a:p>
+          <a:p>
+            <a:pPr marL="742950" lvl="1" indent="-285750">
+              <a:buFont typeface="Arial" panose="020B0604020202020204" pitchFamily="34" charset="0"/>
+              <a:buChar char="•"/>
+            </a:pPr>
+            <a:r>
+              <a:rPr lang="en-US" dirty="0"/>
+              <a:t>Model fits the data</a:t>
+            </a:r>
+          </a:p>
+          <a:p>
+            <a:pPr lvl="1"/>
+            <a:endParaRPr lang="en-US" dirty="0"/>
+          </a:p>
+          <a:p>
+            <a:pPr marL="285750" indent="-285750">
+              <a:buFont typeface="Arial" panose="020B0604020202020204" pitchFamily="34" charset="0"/>
+              <a:buChar char="•"/>
+            </a:pPr>
+            <a:r>
+              <a:rPr lang="en-US" dirty="0"/>
+              <a:t>Alternative Hypothesis:</a:t>
+            </a:r>
+          </a:p>
+          <a:p>
+            <a:pPr marL="742950" lvl="1" indent="-285750">
+              <a:buFont typeface="Arial" panose="020B0604020202020204" pitchFamily="34" charset="0"/>
+              <a:buChar char="•"/>
+            </a:pPr>
+            <a:r>
+              <a:rPr lang="en-US" dirty="0"/>
+              <a:t>Model does not fit the data (lack-of-fit)</a:t>
+            </a:r>
+          </a:p>
+        </p:txBody>
+      </p:sp>
+    </p:spTree>
+    <p:extLst>
+      <p:ext uri="{BB962C8B-B14F-4D97-AF65-F5344CB8AC3E}">
+        <p14:creationId xmlns:p14="http://schemas.microsoft.com/office/powerpoint/2010/main" val="1525036066"/>
       </p:ext>
     </p:extLst>
   </p:cSld>

--- a/Presentation.pptx
+++ b/Presentation.pptx
@@ -21,6 +21,7 @@
     <p:sldId id="269" r:id="rId15"/>
     <p:sldId id="270" r:id="rId16"/>
     <p:sldId id="271" r:id="rId17"/>
+    <p:sldId id="272" r:id="rId18"/>
   </p:sldIdLst>
   <p:sldSz cx="12192000" cy="6858000"/>
   <p:notesSz cx="6858000" cy="9144000"/>
@@ -401,7 +402,7 @@
           <a:p>
             <a:fld id="{78ABE3C1-DBE1-495D-B57B-2849774B866A}" type="datetimeFigureOut">
               <a:rPr lang="en-US" dirty="0"/>
-              <a:t>4/27/2017</a:t>
+              <a:t>4/28/2017</a:t>
             </a:fld>
             <a:endParaRPr lang="en-US" dirty="0"/>
           </a:p>
@@ -810,7 +811,7 @@
           <a:p>
             <a:fld id="{446C117F-5CCF-4837-BE5F-2B92066CAFAF}" type="datetimeFigureOut">
               <a:rPr lang="en-US" dirty="0"/>
-              <a:t>4/27/2017</a:t>
+              <a:t>4/28/2017</a:t>
             </a:fld>
             <a:endParaRPr lang="en-US" dirty="0"/>
           </a:p>
@@ -1141,7 +1142,7 @@
           <a:p>
             <a:fld id="{84EB90BD-B6CE-46B7-997F-7313B992CCDC}" type="datetimeFigureOut">
               <a:rPr lang="en-US" dirty="0"/>
-              <a:t>4/27/2017</a:t>
+              <a:t>4/28/2017</a:t>
             </a:fld>
             <a:endParaRPr lang="en-US" dirty="0"/>
           </a:p>
@@ -1541,7 +1542,7 @@
           <a:p>
             <a:fld id="{CDB9D11F-B188-461D-B23F-39381795C052}" type="datetimeFigureOut">
               <a:rPr lang="en-US" dirty="0"/>
-              <a:t>4/27/2017</a:t>
+              <a:t>4/28/2017</a:t>
             </a:fld>
             <a:endParaRPr lang="en-US" dirty="0"/>
           </a:p>
@@ -2104,7 +2105,7 @@
           <a:p>
             <a:fld id="{52E6D8D9-55A2-4063-B0F3-121F44549695}" type="datetimeFigureOut">
               <a:rPr lang="en-US" dirty="0"/>
-              <a:t>4/27/2017</a:t>
+              <a:t>4/28/2017</a:t>
             </a:fld>
             <a:endParaRPr lang="en-US" dirty="0"/>
           </a:p>
@@ -2780,7 +2781,7 @@
           <a:p>
             <a:fld id="{D4B24536-994D-4021-A283-9F449C0DB509}" type="datetimeFigureOut">
               <a:rPr lang="en-US" dirty="0"/>
-              <a:t>4/27/2017</a:t>
+              <a:t>4/28/2017</a:t>
             </a:fld>
             <a:endParaRPr lang="en-US" dirty="0"/>
           </a:p>
@@ -3688,7 +3689,7 @@
           <a:p>
             <a:fld id="{3CBBBB78-C96F-47B7-AB17-D852CA960AC9}" type="datetimeFigureOut">
               <a:rPr lang="en-US" dirty="0"/>
-              <a:t>4/27/2017</a:t>
+              <a:t>4/28/2017</a:t>
             </a:fld>
             <a:endParaRPr lang="en-US" dirty="0"/>
           </a:p>
@@ -3996,7 +3997,7 @@
           <a:p>
             <a:fld id="{1FA3F48C-C7C6-4055-9F49-3777875E72AE}" type="datetimeFigureOut">
               <a:rPr lang="en-US" dirty="0"/>
-              <a:t>4/27/2017</a:t>
+              <a:t>4/28/2017</a:t>
             </a:fld>
             <a:endParaRPr lang="en-US" dirty="0"/>
           </a:p>
@@ -4255,7 +4256,7 @@
           <a:p>
             <a:fld id="{6178E61D-D431-422C-9764-11DAFE33AB63}" type="datetimeFigureOut">
               <a:rPr lang="en-US" dirty="0"/>
-              <a:t>4/27/2017</a:t>
+              <a:t>4/28/2017</a:t>
             </a:fld>
             <a:endParaRPr lang="en-US" dirty="0"/>
           </a:p>
@@ -4574,7 +4575,7 @@
           <a:p>
             <a:fld id="{12DE42F4-6EEF-4EF7-8ED4-2208F0F89A08}" type="datetimeFigureOut">
               <a:rPr lang="en-US" dirty="0"/>
-              <a:t>4/27/2017</a:t>
+              <a:t>4/28/2017</a:t>
             </a:fld>
             <a:endParaRPr lang="en-US" dirty="0"/>
           </a:p>
@@ -4958,7 +4959,7 @@
           <a:p>
             <a:fld id="{30578ACC-22D6-47C1-A373-4FD133E34F3C}" type="datetimeFigureOut">
               <a:rPr lang="en-US" dirty="0"/>
-              <a:t>4/27/2017</a:t>
+              <a:t>4/28/2017</a:t>
             </a:fld>
             <a:endParaRPr lang="en-US" dirty="0"/>
           </a:p>
@@ -5329,7 +5330,7 @@
           <a:p>
             <a:fld id="{4E5A6C69-6797-4E8A-BF37-F2C3751466E9}" type="datetimeFigureOut">
               <a:rPr lang="en-US" dirty="0"/>
-              <a:t>4/27/2017</a:t>
+              <a:t>4/28/2017</a:t>
             </a:fld>
             <a:endParaRPr lang="en-US" dirty="0"/>
           </a:p>
@@ -5830,7 +5831,7 @@
           <a:p>
             <a:fld id="{D82014A1-A632-4878-A0D3-F52BA7563730}" type="datetimeFigureOut">
               <a:rPr lang="en-US" dirty="0"/>
-              <a:t>4/27/2017</a:t>
+              <a:t>4/28/2017</a:t>
             </a:fld>
             <a:endParaRPr lang="en-US" dirty="0"/>
           </a:p>
@@ -6082,7 +6083,7 @@
           <a:p>
             <a:fld id="{CE99F462-093F-4566-844B-4C71F2739DA5}" type="datetimeFigureOut">
               <a:rPr lang="en-US" dirty="0"/>
-              <a:t>4/27/2017</a:t>
+              <a:t>4/28/2017</a:t>
             </a:fld>
             <a:endParaRPr lang="en-US" dirty="0"/>
           </a:p>
@@ -6240,7 +6241,7 @@
           <a:p>
             <a:fld id="{3D24A7AC-904D-4781-85BA-7D10C17ED021}" type="datetimeFigureOut">
               <a:rPr lang="en-US" dirty="0"/>
-              <a:t>4/27/2017</a:t>
+              <a:t>4/28/2017</a:t>
             </a:fld>
             <a:endParaRPr lang="en-US" dirty="0"/>
           </a:p>
@@ -6625,7 +6626,7 @@
           <a:p>
             <a:fld id="{E331444B-B92B-4E27-8C94-BB93EAF5CB18}" type="datetimeFigureOut">
               <a:rPr lang="en-US" dirty="0"/>
-              <a:t>4/27/2017</a:t>
+              <a:t>4/28/2017</a:t>
             </a:fld>
             <a:endParaRPr lang="en-US" dirty="0"/>
           </a:p>
@@ -7029,7 +7030,7 @@
           <a:p>
             <a:fld id="{363EFA5E-FA76-400D-B3DC-F0BA90E6D107}" type="datetimeFigureOut">
               <a:rPr lang="en-US" dirty="0"/>
-              <a:t>4/27/2017</a:t>
+              <a:t>4/28/2017</a:t>
             </a:fld>
             <a:endParaRPr lang="en-US" dirty="0"/>
           </a:p>
@@ -7268,7 +7269,7 @@
           <a:p>
             <a:fld id="{9D6E9DEC-419B-4CC5-A080-3B06BD5A8291}" type="datetimeFigureOut">
               <a:rPr lang="en-US" dirty="0"/>
-              <a:t>4/27/2017</a:t>
+              <a:t>4/28/2017</a:t>
             </a:fld>
             <a:endParaRPr lang="en-US" dirty="0"/>
           </a:p>
@@ -8041,7 +8042,7 @@
         </p:blipFill>
         <p:spPr>
           <a:xfrm>
-            <a:off x="4006113" y="2218186"/>
+            <a:off x="6438864" y="2494633"/>
             <a:ext cx="2962275" cy="1504950"/>
           </a:xfrm>
           <a:prstGeom prst="rect">
@@ -8065,7 +8066,7 @@
         </p:blipFill>
         <p:spPr>
           <a:xfrm>
-            <a:off x="1381975" y="4107156"/>
+            <a:off x="3814727" y="4309175"/>
             <a:ext cx="8210550" cy="2428875"/>
           </a:xfrm>
           <a:prstGeom prst="rect">
@@ -8073,6 +8074,39 @@
           </a:prstGeom>
         </p:spPr>
       </p:pic>
+      <p:sp>
+        <p:nvSpPr>
+          <p:cNvPr id="3" name="TextBox 2"/>
+          <p:cNvSpPr txBox="1"/>
+          <p:nvPr/>
+        </p:nvSpPr>
+        <p:spPr>
+          <a:xfrm>
+            <a:off x="404038" y="2923942"/>
+            <a:ext cx="3687136" cy="646331"/>
+          </a:xfrm>
+          <a:prstGeom prst="rect">
+            <a:avLst/>
+          </a:prstGeom>
+          <a:noFill/>
+        </p:spPr>
+        <p:txBody>
+          <a:bodyPr wrap="square" rtlCol="0">
+            <a:spAutoFit/>
+          </a:bodyPr>
+          <a:lstStyle/>
+          <a:p>
+            <a:pPr marL="285750" indent="-285750">
+              <a:buFont typeface="Arial" panose="020B0604020202020204" pitchFamily="34" charset="0"/>
+              <a:buChar char="•"/>
+            </a:pPr>
+            <a:r>
+              <a:rPr lang="en-US" dirty="0"/>
+              <a:t>None of the confidence intervals include 0</a:t>
+            </a:r>
+          </a:p>
+        </p:txBody>
+      </p:sp>
     </p:spTree>
     <p:extLst>
       <p:ext uri="{BB962C8B-B14F-4D97-AF65-F5344CB8AC3E}">
@@ -8227,7 +8261,7 @@
         </p:blipFill>
         <p:spPr>
           <a:xfrm>
-            <a:off x="2072129" y="4625828"/>
+            <a:off x="3795766" y="4668358"/>
             <a:ext cx="8239125" cy="2114550"/>
           </a:xfrm>
           <a:prstGeom prst="rect">
@@ -8251,7 +8285,7 @@
         </p:blipFill>
         <p:spPr>
           <a:xfrm>
-            <a:off x="2783346" y="95692"/>
+            <a:off x="4506983" y="106325"/>
             <a:ext cx="6816689" cy="4402445"/>
           </a:xfrm>
           <a:prstGeom prst="rect">
@@ -8259,6 +8293,52 @@
           </a:prstGeom>
         </p:spPr>
       </p:pic>
+      <p:sp>
+        <p:nvSpPr>
+          <p:cNvPr id="3" name="TextBox 2"/>
+          <p:cNvSpPr txBox="1"/>
+          <p:nvPr/>
+        </p:nvSpPr>
+        <p:spPr>
+          <a:xfrm>
+            <a:off x="191386" y="956930"/>
+            <a:ext cx="3604380" cy="3139321"/>
+          </a:xfrm>
+          <a:prstGeom prst="rect">
+            <a:avLst/>
+          </a:prstGeom>
+          <a:noFill/>
+        </p:spPr>
+        <p:txBody>
+          <a:bodyPr wrap="square" rtlCol="0">
+            <a:spAutoFit/>
+          </a:bodyPr>
+          <a:lstStyle/>
+          <a:p>
+            <a:pPr marL="285750" indent="-285750">
+              <a:buFont typeface="Arial" panose="020B0604020202020204" pitchFamily="34" charset="0"/>
+              <a:buChar char="•"/>
+            </a:pPr>
+            <a:r>
+              <a:rPr lang="en-US" dirty="0"/>
+              <a:t>Using the five year average model we expect that for a 1 percentage increase in the insured rate that the percentage of individuals with a personal doctor should increase by 1.012 fold.</a:t>
+            </a:r>
+          </a:p>
+          <a:p>
+            <a:endParaRPr lang="en-US" dirty="0"/>
+          </a:p>
+          <a:p>
+            <a:pPr marL="285750" indent="-285750">
+              <a:buFont typeface="Arial" panose="020B0604020202020204" pitchFamily="34" charset="0"/>
+              <a:buChar char="•"/>
+            </a:pPr>
+            <a:r>
+              <a:rPr lang="en-US" dirty="0"/>
+              <a:t>While this may seem like a small change, it can be quite large at the state level.</a:t>
+            </a:r>
+          </a:p>
+        </p:txBody>
+      </p:sp>
     </p:spTree>
     <p:extLst>
       <p:ext uri="{BB962C8B-B14F-4D97-AF65-F5344CB8AC3E}">
@@ -8291,7 +8371,7 @@
       </p:grpSpPr>
       <p:pic>
         <p:nvPicPr>
-          <p:cNvPr id="3" name="Picture 2"/>
+          <p:cNvPr id="4" name="Picture 3"/>
           <p:cNvPicPr>
             <a:picLocks noChangeAspect="1"/>
           </p:cNvPicPr>
@@ -8305,7 +8385,7 @@
         </p:blipFill>
         <p:spPr>
           <a:xfrm>
-            <a:off x="1364511" y="561310"/>
+            <a:off x="1524000" y="476250"/>
             <a:ext cx="9144000" cy="5905500"/>
           </a:xfrm>
           <a:prstGeom prst="rect">
@@ -8317,6 +8397,127 @@
     <p:extLst>
       <p:ext uri="{BB962C8B-B14F-4D97-AF65-F5344CB8AC3E}">
         <p14:creationId xmlns:p14="http://schemas.microsoft.com/office/powerpoint/2010/main" val="2547051427"/>
+      </p:ext>
+    </p:extLst>
+  </p:cSld>
+  <p:clrMapOvr>
+    <a:masterClrMapping/>
+  </p:clrMapOvr>
+</p:sld>
+</file>
+
+<file path=ppt/slides/slide17.xml><?xml version="1.0" encoding="utf-8"?>
+<p:sld xmlns:a="http://schemas.openxmlformats.org/drawingml/2006/main" xmlns:r="http://schemas.openxmlformats.org/officeDocument/2006/relationships" xmlns:p="http://schemas.openxmlformats.org/presentationml/2006/main">
+  <p:cSld>
+    <p:spTree>
+      <p:nvGrpSpPr>
+        <p:cNvPr id="1" name=""/>
+        <p:cNvGrpSpPr/>
+        <p:nvPr/>
+      </p:nvGrpSpPr>
+      <p:grpSpPr>
+        <a:xfrm>
+          <a:off x="0" y="0"/>
+          <a:ext cx="0" cy="0"/>
+          <a:chOff x="0" y="0"/>
+          <a:chExt cx="0" cy="0"/>
+        </a:xfrm>
+      </p:grpSpPr>
+      <p:sp>
+        <p:nvSpPr>
+          <p:cNvPr id="2" name="Title 1"/>
+          <p:cNvSpPr>
+            <a:spLocks noGrp="1"/>
+          </p:cNvSpPr>
+          <p:nvPr>
+            <p:ph type="title"/>
+          </p:nvPr>
+        </p:nvSpPr>
+        <p:spPr/>
+        <p:txBody>
+          <a:bodyPr/>
+          <a:lstStyle/>
+          <a:p>
+            <a:r>
+              <a:rPr lang="en-US" dirty="0"/>
+              <a:t>Conclusion</a:t>
+            </a:r>
+          </a:p>
+        </p:txBody>
+      </p:sp>
+      <p:sp>
+        <p:nvSpPr>
+          <p:cNvPr id="3" name="Content Placeholder 2"/>
+          <p:cNvSpPr>
+            <a:spLocks noGrp="1"/>
+          </p:cNvSpPr>
+          <p:nvPr>
+            <p:ph idx="1"/>
+          </p:nvPr>
+        </p:nvSpPr>
+        <p:spPr/>
+        <p:txBody>
+          <a:bodyPr>
+            <a:normAutofit fontScale="85000" lnSpcReduction="20000"/>
+          </a:bodyPr>
+          <a:lstStyle/>
+          <a:p>
+            <a:r>
+              <a:rPr lang="en-US" dirty="0"/>
+              <a:t>Insured rates have significantly increased in recent years</a:t>
+            </a:r>
+          </a:p>
+          <a:p>
+            <a:r>
+              <a:rPr lang="en-US" dirty="0"/>
+              <a:t>States that did not adopt the Medicaid expansion have significantly lower insured rates (~5%)</a:t>
+            </a:r>
+          </a:p>
+          <a:p>
+            <a:r>
+              <a:rPr lang="en-US" dirty="0"/>
+              <a:t>Higher insured rates in states are correlated with increased proportion of individuals with a personal doctor</a:t>
+            </a:r>
+          </a:p>
+          <a:p>
+            <a:pPr lvl="1"/>
+            <a:r>
+              <a:rPr lang="en-US" dirty="0"/>
+              <a:t>For a 1 percentage increase in insured rate we expect the percentage of adults with a personal doctor to increase by about 1.012 fold. </a:t>
+            </a:r>
+          </a:p>
+          <a:p>
+            <a:r>
+              <a:rPr lang="en-US" dirty="0"/>
+              <a:t>Trend does not change significantly from year to year and can be expected to continue in a similar fashion</a:t>
+            </a:r>
+          </a:p>
+          <a:p>
+            <a:r>
+              <a:rPr lang="en-US" dirty="0"/>
+              <a:t>Increase in percentage of individuals indicates an increase in primary care access</a:t>
+            </a:r>
+          </a:p>
+          <a:p>
+            <a:pPr lvl="1"/>
+            <a:r>
+              <a:rPr lang="en-US" dirty="0"/>
+              <a:t>Improvement in health outcomes</a:t>
+            </a:r>
+          </a:p>
+          <a:p>
+            <a:pPr lvl="1"/>
+            <a:r>
+              <a:rPr lang="en-US" dirty="0"/>
+              <a:t>Decrease in healthcare system costs</a:t>
+            </a:r>
+          </a:p>
+        </p:txBody>
+      </p:sp>
+    </p:spTree>
+    <p:extLst>
+      <p:ext uri="{BB962C8B-B14F-4D97-AF65-F5344CB8AC3E}">
+        <p14:creationId xmlns:p14="http://schemas.microsoft.com/office/powerpoint/2010/main" val="3168852804"/>
       </p:ext>
     </p:extLst>
   </p:cSld>
@@ -8929,30 +9130,6 @@
               <a:rPr lang="en-US" dirty="0"/>
               <a:t>Medicaid Expansion Adoption</a:t>
             </a:r>
-          </a:p>
-        </p:txBody>
-      </p:sp>
-      <p:sp>
-        <p:nvSpPr>
-          <p:cNvPr id="7" name="Content Placeholder 6"/>
-          <p:cNvSpPr>
-            <a:spLocks noGrp="1"/>
-          </p:cNvSpPr>
-          <p:nvPr>
-            <p:ph idx="1"/>
-          </p:nvPr>
-        </p:nvSpPr>
-        <p:spPr>
-          <a:xfrm>
-            <a:off x="265653" y="5971064"/>
-            <a:ext cx="10228682" cy="1245315"/>
-          </a:xfrm>
-        </p:spPr>
-        <p:txBody>
-          <a:bodyPr/>
-          <a:lstStyle/>
-          <a:p>
-            <a:endParaRPr lang="en-US" dirty="0"/>
           </a:p>
         </p:txBody>
       </p:sp>

--- a/Presentation.pptx
+++ b/Presentation.pptx
@@ -20,8 +20,9 @@
     <p:sldId id="268" r:id="rId14"/>
     <p:sldId id="269" r:id="rId15"/>
     <p:sldId id="270" r:id="rId16"/>
-    <p:sldId id="271" r:id="rId17"/>
-    <p:sldId id="272" r:id="rId18"/>
+    <p:sldId id="273" r:id="rId17"/>
+    <p:sldId id="271" r:id="rId18"/>
+    <p:sldId id="272" r:id="rId19"/>
   </p:sldIdLst>
   <p:sldSz cx="12192000" cy="6858000"/>
   <p:notesSz cx="6858000" cy="9144000"/>
@@ -402,7 +403,7 @@
           <a:p>
             <a:fld id="{78ABE3C1-DBE1-495D-B57B-2849774B866A}" type="datetimeFigureOut">
               <a:rPr lang="en-US" dirty="0"/>
-              <a:t>4/28/2017</a:t>
+              <a:t>5/1/2017</a:t>
             </a:fld>
             <a:endParaRPr lang="en-US" dirty="0"/>
           </a:p>
@@ -811,7 +812,7 @@
           <a:p>
             <a:fld id="{446C117F-5CCF-4837-BE5F-2B92066CAFAF}" type="datetimeFigureOut">
               <a:rPr lang="en-US" dirty="0"/>
-              <a:t>4/28/2017</a:t>
+              <a:t>5/1/2017</a:t>
             </a:fld>
             <a:endParaRPr lang="en-US" dirty="0"/>
           </a:p>
@@ -1142,7 +1143,7 @@
           <a:p>
             <a:fld id="{84EB90BD-B6CE-46B7-997F-7313B992CCDC}" type="datetimeFigureOut">
               <a:rPr lang="en-US" dirty="0"/>
-              <a:t>4/28/2017</a:t>
+              <a:t>5/1/2017</a:t>
             </a:fld>
             <a:endParaRPr lang="en-US" dirty="0"/>
           </a:p>
@@ -1542,7 +1543,7 @@
           <a:p>
             <a:fld id="{CDB9D11F-B188-461D-B23F-39381795C052}" type="datetimeFigureOut">
               <a:rPr lang="en-US" dirty="0"/>
-              <a:t>4/28/2017</a:t>
+              <a:t>5/1/2017</a:t>
             </a:fld>
             <a:endParaRPr lang="en-US" dirty="0"/>
           </a:p>
@@ -2105,7 +2106,7 @@
           <a:p>
             <a:fld id="{52E6D8D9-55A2-4063-B0F3-121F44549695}" type="datetimeFigureOut">
               <a:rPr lang="en-US" dirty="0"/>
-              <a:t>4/28/2017</a:t>
+              <a:t>5/1/2017</a:t>
             </a:fld>
             <a:endParaRPr lang="en-US" dirty="0"/>
           </a:p>
@@ -2781,7 +2782,7 @@
           <a:p>
             <a:fld id="{D4B24536-994D-4021-A283-9F449C0DB509}" type="datetimeFigureOut">
               <a:rPr lang="en-US" dirty="0"/>
-              <a:t>4/28/2017</a:t>
+              <a:t>5/1/2017</a:t>
             </a:fld>
             <a:endParaRPr lang="en-US" dirty="0"/>
           </a:p>
@@ -3689,7 +3690,7 @@
           <a:p>
             <a:fld id="{3CBBBB78-C96F-47B7-AB17-D852CA960AC9}" type="datetimeFigureOut">
               <a:rPr lang="en-US" dirty="0"/>
-              <a:t>4/28/2017</a:t>
+              <a:t>5/1/2017</a:t>
             </a:fld>
             <a:endParaRPr lang="en-US" dirty="0"/>
           </a:p>
@@ -3997,7 +3998,7 @@
           <a:p>
             <a:fld id="{1FA3F48C-C7C6-4055-9F49-3777875E72AE}" type="datetimeFigureOut">
               <a:rPr lang="en-US" dirty="0"/>
-              <a:t>4/28/2017</a:t>
+              <a:t>5/1/2017</a:t>
             </a:fld>
             <a:endParaRPr lang="en-US" dirty="0"/>
           </a:p>
@@ -4256,7 +4257,7 @@
           <a:p>
             <a:fld id="{6178E61D-D431-422C-9764-11DAFE33AB63}" type="datetimeFigureOut">
               <a:rPr lang="en-US" dirty="0"/>
-              <a:t>4/28/2017</a:t>
+              <a:t>5/1/2017</a:t>
             </a:fld>
             <a:endParaRPr lang="en-US" dirty="0"/>
           </a:p>
@@ -4575,7 +4576,7 @@
           <a:p>
             <a:fld id="{12DE42F4-6EEF-4EF7-8ED4-2208F0F89A08}" type="datetimeFigureOut">
               <a:rPr lang="en-US" dirty="0"/>
-              <a:t>4/28/2017</a:t>
+              <a:t>5/1/2017</a:t>
             </a:fld>
             <a:endParaRPr lang="en-US" dirty="0"/>
           </a:p>
@@ -4959,7 +4960,7 @@
           <a:p>
             <a:fld id="{30578ACC-22D6-47C1-A373-4FD133E34F3C}" type="datetimeFigureOut">
               <a:rPr lang="en-US" dirty="0"/>
-              <a:t>4/28/2017</a:t>
+              <a:t>5/1/2017</a:t>
             </a:fld>
             <a:endParaRPr lang="en-US" dirty="0"/>
           </a:p>
@@ -5330,7 +5331,7 @@
           <a:p>
             <a:fld id="{4E5A6C69-6797-4E8A-BF37-F2C3751466E9}" type="datetimeFigureOut">
               <a:rPr lang="en-US" dirty="0"/>
-              <a:t>4/28/2017</a:t>
+              <a:t>5/1/2017</a:t>
             </a:fld>
             <a:endParaRPr lang="en-US" dirty="0"/>
           </a:p>
@@ -5831,7 +5832,7 @@
           <a:p>
             <a:fld id="{D82014A1-A632-4878-A0D3-F52BA7563730}" type="datetimeFigureOut">
               <a:rPr lang="en-US" dirty="0"/>
-              <a:t>4/28/2017</a:t>
+              <a:t>5/1/2017</a:t>
             </a:fld>
             <a:endParaRPr lang="en-US" dirty="0"/>
           </a:p>
@@ -6083,7 +6084,7 @@
           <a:p>
             <a:fld id="{CE99F462-093F-4566-844B-4C71F2739DA5}" type="datetimeFigureOut">
               <a:rPr lang="en-US" dirty="0"/>
-              <a:t>4/28/2017</a:t>
+              <a:t>5/1/2017</a:t>
             </a:fld>
             <a:endParaRPr lang="en-US" dirty="0"/>
           </a:p>
@@ -6241,7 +6242,7 @@
           <a:p>
             <a:fld id="{3D24A7AC-904D-4781-85BA-7D10C17ED021}" type="datetimeFigureOut">
               <a:rPr lang="en-US" dirty="0"/>
-              <a:t>4/28/2017</a:t>
+              <a:t>5/1/2017</a:t>
             </a:fld>
             <a:endParaRPr lang="en-US" dirty="0"/>
           </a:p>
@@ -6626,7 +6627,7 @@
           <a:p>
             <a:fld id="{E331444B-B92B-4E27-8C94-BB93EAF5CB18}" type="datetimeFigureOut">
               <a:rPr lang="en-US" dirty="0"/>
-              <a:t>4/28/2017</a:t>
+              <a:t>5/1/2017</a:t>
             </a:fld>
             <a:endParaRPr lang="en-US" dirty="0"/>
           </a:p>
@@ -7030,7 +7031,7 @@
           <a:p>
             <a:fld id="{363EFA5E-FA76-400D-B3DC-F0BA90E6D107}" type="datetimeFigureOut">
               <a:rPr lang="en-US" dirty="0"/>
-              <a:t>4/28/2017</a:t>
+              <a:t>5/1/2017</a:t>
             </a:fld>
             <a:endParaRPr lang="en-US" dirty="0"/>
           </a:p>
@@ -7269,7 +7270,7 @@
           <a:p>
             <a:fld id="{9D6E9DEC-419B-4CC5-A080-3B06BD5A8291}" type="datetimeFigureOut">
               <a:rPr lang="en-US" dirty="0"/>
-              <a:t>4/28/2017</a:t>
+              <a:t>5/1/2017</a:t>
             </a:fld>
             <a:endParaRPr lang="en-US" dirty="0"/>
           </a:p>
@@ -8369,6 +8370,28 @@
           <a:chExt cx="0" cy="0"/>
         </a:xfrm>
       </p:grpSpPr>
+      <p:sp>
+        <p:nvSpPr>
+          <p:cNvPr id="2" name="Title 1"/>
+          <p:cNvSpPr>
+            <a:spLocks noGrp="1"/>
+          </p:cNvSpPr>
+          <p:nvPr>
+            <p:ph type="title"/>
+          </p:nvPr>
+        </p:nvSpPr>
+        <p:spPr/>
+        <p:txBody>
+          <a:bodyPr/>
+          <a:lstStyle/>
+          <a:p>
+            <a:r>
+              <a:rPr lang="en-US" dirty="0"/>
+              <a:t>Interpreting a Poisson Model</a:t>
+            </a:r>
+          </a:p>
+        </p:txBody>
+      </p:sp>
       <p:pic>
         <p:nvPicPr>
           <p:cNvPr id="4" name="Picture 3"/>
@@ -8385,6 +8408,108 @@
         </p:blipFill>
         <p:spPr>
           <a:xfrm>
+            <a:off x="3363176" y="2285607"/>
+            <a:ext cx="4248150" cy="752475"/>
+          </a:xfrm>
+          <a:prstGeom prst="rect">
+            <a:avLst/>
+          </a:prstGeom>
+        </p:spPr>
+      </p:pic>
+      <p:pic>
+        <p:nvPicPr>
+          <p:cNvPr id="5" name="Picture 4"/>
+          <p:cNvPicPr>
+            <a:picLocks noChangeAspect="1"/>
+          </p:cNvPicPr>
+          <p:nvPr/>
+        </p:nvPicPr>
+        <p:blipFill>
+          <a:blip r:embed="rId3"/>
+          <a:stretch>
+            <a:fillRect/>
+          </a:stretch>
+        </p:blipFill>
+        <p:spPr>
+          <a:xfrm>
+            <a:off x="4572851" y="3705162"/>
+            <a:ext cx="1828800" cy="342900"/>
+          </a:xfrm>
+          <a:prstGeom prst="rect">
+            <a:avLst/>
+          </a:prstGeom>
+        </p:spPr>
+      </p:pic>
+      <p:pic>
+        <p:nvPicPr>
+          <p:cNvPr id="7" name="Picture 6"/>
+          <p:cNvPicPr>
+            <a:picLocks noChangeAspect="1"/>
+          </p:cNvPicPr>
+          <p:nvPr/>
+        </p:nvPicPr>
+        <p:blipFill>
+          <a:blip r:embed="rId4"/>
+          <a:stretch>
+            <a:fillRect/>
+          </a:stretch>
+        </p:blipFill>
+        <p:spPr>
+          <a:xfrm>
+            <a:off x="2582126" y="4715142"/>
+            <a:ext cx="5810250" cy="1438275"/>
+          </a:xfrm>
+          <a:prstGeom prst="rect">
+            <a:avLst/>
+          </a:prstGeom>
+        </p:spPr>
+      </p:pic>
+    </p:spTree>
+    <p:extLst>
+      <p:ext uri="{BB962C8B-B14F-4D97-AF65-F5344CB8AC3E}">
+        <p14:creationId xmlns:p14="http://schemas.microsoft.com/office/powerpoint/2010/main" val="3310698064"/>
+      </p:ext>
+    </p:extLst>
+  </p:cSld>
+  <p:clrMapOvr>
+    <a:masterClrMapping/>
+  </p:clrMapOvr>
+</p:sld>
+</file>
+
+<file path=ppt/slides/slide17.xml><?xml version="1.0" encoding="utf-8"?>
+<p:sld xmlns:a="http://schemas.openxmlformats.org/drawingml/2006/main" xmlns:r="http://schemas.openxmlformats.org/officeDocument/2006/relationships" xmlns:p="http://schemas.openxmlformats.org/presentationml/2006/main">
+  <p:cSld>
+    <p:spTree>
+      <p:nvGrpSpPr>
+        <p:cNvPr id="1" name=""/>
+        <p:cNvGrpSpPr/>
+        <p:nvPr/>
+      </p:nvGrpSpPr>
+      <p:grpSpPr>
+        <a:xfrm>
+          <a:off x="0" y="0"/>
+          <a:ext cx="0" cy="0"/>
+          <a:chOff x="0" y="0"/>
+          <a:chExt cx="0" cy="0"/>
+        </a:xfrm>
+      </p:grpSpPr>
+      <p:pic>
+        <p:nvPicPr>
+          <p:cNvPr id="4" name="Picture 3"/>
+          <p:cNvPicPr>
+            <a:picLocks noChangeAspect="1"/>
+          </p:cNvPicPr>
+          <p:nvPr/>
+        </p:nvPicPr>
+        <p:blipFill>
+          <a:blip r:embed="rId2"/>
+          <a:stretch>
+            <a:fillRect/>
+          </a:stretch>
+        </p:blipFill>
+        <p:spPr>
+          <a:xfrm>
             <a:off x="1524000" y="476250"/>
             <a:ext cx="9144000" cy="5905500"/>
           </a:xfrm>
@@ -8406,7 +8531,7 @@
 </p:sld>
 </file>
 
-<file path=ppt/slides/slide17.xml><?xml version="1.0" encoding="utf-8"?>
+<file path=ppt/slides/slide18.xml><?xml version="1.0" encoding="utf-8"?>
 <p:sld xmlns:a="http://schemas.openxmlformats.org/drawingml/2006/main" xmlns:r="http://schemas.openxmlformats.org/officeDocument/2006/relationships" xmlns:p="http://schemas.openxmlformats.org/presentationml/2006/main">
   <p:cSld>
     <p:spTree>

--- a/Presentation.pptx
+++ b/Presentation.pptx
@@ -129,6 +129,10 @@
 </p:presentation>
 </file>
 
+<file path=ppt/revisionInfo.xml><?xml version="1.0" encoding="utf-8"?>
+<p1510:revInfo xmlns:a="http://schemas.openxmlformats.org/drawingml/2006/main" xmlns:r="http://schemas.openxmlformats.org/officeDocument/2006/relationships" xmlns:p1510="http://schemas.microsoft.com/office/powerpoint/2015/10/main"/>
+</file>
+
 <file path=ppt/slideLayouts/slideLayout1.xml><?xml version="1.0" encoding="utf-8"?>
 <p:sldLayout xmlns:a="http://schemas.openxmlformats.org/drawingml/2006/main" xmlns:r="http://schemas.openxmlformats.org/officeDocument/2006/relationships" xmlns:p="http://schemas.openxmlformats.org/presentationml/2006/main" type="title" preserve="1">
   <p:cSld name="Title Slide">
@@ -403,7 +407,7 @@
           <a:p>
             <a:fld id="{78ABE3C1-DBE1-495D-B57B-2849774B866A}" type="datetimeFigureOut">
               <a:rPr lang="en-US" dirty="0"/>
-              <a:t>5/1/2017</a:t>
+              <a:t>5/3/2017</a:t>
             </a:fld>
             <a:endParaRPr lang="en-US" dirty="0"/>
           </a:p>
@@ -812,7 +816,7 @@
           <a:p>
             <a:fld id="{446C117F-5CCF-4837-BE5F-2B92066CAFAF}" type="datetimeFigureOut">
               <a:rPr lang="en-US" dirty="0"/>
-              <a:t>5/1/2017</a:t>
+              <a:t>5/3/2017</a:t>
             </a:fld>
             <a:endParaRPr lang="en-US" dirty="0"/>
           </a:p>
@@ -1143,7 +1147,7 @@
           <a:p>
             <a:fld id="{84EB90BD-B6CE-46B7-997F-7313B992CCDC}" type="datetimeFigureOut">
               <a:rPr lang="en-US" dirty="0"/>
-              <a:t>5/1/2017</a:t>
+              <a:t>5/3/2017</a:t>
             </a:fld>
             <a:endParaRPr lang="en-US" dirty="0"/>
           </a:p>
@@ -1543,7 +1547,7 @@
           <a:p>
             <a:fld id="{CDB9D11F-B188-461D-B23F-39381795C052}" type="datetimeFigureOut">
               <a:rPr lang="en-US" dirty="0"/>
-              <a:t>5/1/2017</a:t>
+              <a:t>5/3/2017</a:t>
             </a:fld>
             <a:endParaRPr lang="en-US" dirty="0"/>
           </a:p>
@@ -2106,7 +2110,7 @@
           <a:p>
             <a:fld id="{52E6D8D9-55A2-4063-B0F3-121F44549695}" type="datetimeFigureOut">
               <a:rPr lang="en-US" dirty="0"/>
-              <a:t>5/1/2017</a:t>
+              <a:t>5/3/2017</a:t>
             </a:fld>
             <a:endParaRPr lang="en-US" dirty="0"/>
           </a:p>
@@ -2782,7 +2786,7 @@
           <a:p>
             <a:fld id="{D4B24536-994D-4021-A283-9F449C0DB509}" type="datetimeFigureOut">
               <a:rPr lang="en-US" dirty="0"/>
-              <a:t>5/1/2017</a:t>
+              <a:t>5/3/2017</a:t>
             </a:fld>
             <a:endParaRPr lang="en-US" dirty="0"/>
           </a:p>
@@ -3690,7 +3694,7 @@
           <a:p>
             <a:fld id="{3CBBBB78-C96F-47B7-AB17-D852CA960AC9}" type="datetimeFigureOut">
               <a:rPr lang="en-US" dirty="0"/>
-              <a:t>5/1/2017</a:t>
+              <a:t>5/3/2017</a:t>
             </a:fld>
             <a:endParaRPr lang="en-US" dirty="0"/>
           </a:p>
@@ -3998,7 +4002,7 @@
           <a:p>
             <a:fld id="{1FA3F48C-C7C6-4055-9F49-3777875E72AE}" type="datetimeFigureOut">
               <a:rPr lang="en-US" dirty="0"/>
-              <a:t>5/1/2017</a:t>
+              <a:t>5/3/2017</a:t>
             </a:fld>
             <a:endParaRPr lang="en-US" dirty="0"/>
           </a:p>
@@ -4257,7 +4261,7 @@
           <a:p>
             <a:fld id="{6178E61D-D431-422C-9764-11DAFE33AB63}" type="datetimeFigureOut">
               <a:rPr lang="en-US" dirty="0"/>
-              <a:t>5/1/2017</a:t>
+              <a:t>5/3/2017</a:t>
             </a:fld>
             <a:endParaRPr lang="en-US" dirty="0"/>
           </a:p>
@@ -4576,7 +4580,7 @@
           <a:p>
             <a:fld id="{12DE42F4-6EEF-4EF7-8ED4-2208F0F89A08}" type="datetimeFigureOut">
               <a:rPr lang="en-US" dirty="0"/>
-              <a:t>5/1/2017</a:t>
+              <a:t>5/3/2017</a:t>
             </a:fld>
             <a:endParaRPr lang="en-US" dirty="0"/>
           </a:p>
@@ -4960,7 +4964,7 @@
           <a:p>
             <a:fld id="{30578ACC-22D6-47C1-A373-4FD133E34F3C}" type="datetimeFigureOut">
               <a:rPr lang="en-US" dirty="0"/>
-              <a:t>5/1/2017</a:t>
+              <a:t>5/3/2017</a:t>
             </a:fld>
             <a:endParaRPr lang="en-US" dirty="0"/>
           </a:p>
@@ -5331,7 +5335,7 @@
           <a:p>
             <a:fld id="{4E5A6C69-6797-4E8A-BF37-F2C3751466E9}" type="datetimeFigureOut">
               <a:rPr lang="en-US" dirty="0"/>
-              <a:t>5/1/2017</a:t>
+              <a:t>5/3/2017</a:t>
             </a:fld>
             <a:endParaRPr lang="en-US" dirty="0"/>
           </a:p>
@@ -5832,7 +5836,7 @@
           <a:p>
             <a:fld id="{D82014A1-A632-4878-A0D3-F52BA7563730}" type="datetimeFigureOut">
               <a:rPr lang="en-US" dirty="0"/>
-              <a:t>5/1/2017</a:t>
+              <a:t>5/3/2017</a:t>
             </a:fld>
             <a:endParaRPr lang="en-US" dirty="0"/>
           </a:p>
@@ -6084,7 +6088,7 @@
           <a:p>
             <a:fld id="{CE99F462-093F-4566-844B-4C71F2739DA5}" type="datetimeFigureOut">
               <a:rPr lang="en-US" dirty="0"/>
-              <a:t>5/1/2017</a:t>
+              <a:t>5/3/2017</a:t>
             </a:fld>
             <a:endParaRPr lang="en-US" dirty="0"/>
           </a:p>
@@ -6242,7 +6246,7 @@
           <a:p>
             <a:fld id="{3D24A7AC-904D-4781-85BA-7D10C17ED021}" type="datetimeFigureOut">
               <a:rPr lang="en-US" dirty="0"/>
-              <a:t>5/1/2017</a:t>
+              <a:t>5/3/2017</a:t>
             </a:fld>
             <a:endParaRPr lang="en-US" dirty="0"/>
           </a:p>
@@ -6627,7 +6631,7 @@
           <a:p>
             <a:fld id="{E331444B-B92B-4E27-8C94-BB93EAF5CB18}" type="datetimeFigureOut">
               <a:rPr lang="en-US" dirty="0"/>
-              <a:t>5/1/2017</a:t>
+              <a:t>5/3/2017</a:t>
             </a:fld>
             <a:endParaRPr lang="en-US" dirty="0"/>
           </a:p>
@@ -7031,7 +7035,7 @@
           <a:p>
             <a:fld id="{363EFA5E-FA76-400D-B3DC-F0BA90E6D107}" type="datetimeFigureOut">
               <a:rPr lang="en-US" dirty="0"/>
-              <a:t>5/1/2017</a:t>
+              <a:t>5/3/2017</a:t>
             </a:fld>
             <a:endParaRPr lang="en-US" dirty="0"/>
           </a:p>
@@ -7270,7 +7274,7 @@
           <a:p>
             <a:fld id="{9D6E9DEC-419B-4CC5-A080-3B06BD5A8291}" type="datetimeFigureOut">
               <a:rPr lang="en-US" dirty="0"/>
-              <a:t>5/1/2017</a:t>
+              <a:t>5/3/2017</a:t>
             </a:fld>
             <a:endParaRPr lang="en-US" dirty="0"/>
           </a:p>
@@ -8863,6 +8867,30 @@
           </a:p>
         </p:txBody>
       </p:sp>
+      <p:pic>
+        <p:nvPicPr>
+          <p:cNvPr id="4" name="Picture 3"/>
+          <p:cNvPicPr>
+            <a:picLocks noChangeAspect="1"/>
+          </p:cNvPicPr>
+          <p:nvPr/>
+        </p:nvPicPr>
+        <p:blipFill>
+          <a:blip r:embed="rId2"/>
+          <a:stretch>
+            <a:fillRect/>
+          </a:stretch>
+        </p:blipFill>
+        <p:spPr>
+          <a:xfrm>
+            <a:off x="7964561" y="4813116"/>
+            <a:ext cx="3848974" cy="1785269"/>
+          </a:xfrm>
+          <a:prstGeom prst="rect">
+            <a:avLst/>
+          </a:prstGeom>
+        </p:spPr>
+      </p:pic>
     </p:spTree>
     <p:extLst>
       <p:ext uri="{BB962C8B-B14F-4D97-AF65-F5344CB8AC3E}">
